--- a/Individual_ppts/Heram.pptx
+++ b/Individual_ppts/Heram.pptx
@@ -8,11 +8,13 @@
     <p:sldId id="256" r:id="rId2"/>
     <p:sldId id="257" r:id="rId3"/>
     <p:sldId id="258" r:id="rId4"/>
-    <p:sldId id="259" r:id="rId5"/>
-    <p:sldId id="260" r:id="rId6"/>
-    <p:sldId id="261" r:id="rId7"/>
-    <p:sldId id="262" r:id="rId8"/>
-    <p:sldId id="263" r:id="rId9"/>
+    <p:sldId id="265" r:id="rId5"/>
+    <p:sldId id="259" r:id="rId6"/>
+    <p:sldId id="260" r:id="rId7"/>
+    <p:sldId id="261" r:id="rId8"/>
+    <p:sldId id="262" r:id="rId9"/>
+    <p:sldId id="264" r:id="rId10"/>
+    <p:sldId id="263" r:id="rId11"/>
   </p:sldIdLst>
   <p:sldSz cx="12192000" cy="6858000"/>
   <p:notesSz cx="6858000" cy="9144000"/>
@@ -112,6 +114,24 @@
     </a:lvl9pPr>
   </p:defaultTextStyle>
   <p:extLst>
+    <p:ext uri="{521415D9-36F7-43E2-AB2F-B90AF26B5E84}">
+      <p14:sectionLst xmlns:p14="http://schemas.microsoft.com/office/powerpoint/2010/main">
+        <p14:section name="Untitled Section" id="{6D169C27-D63F-4556-AA32-CDB08B43BA79}">
+          <p14:sldIdLst>
+            <p14:sldId id="256"/>
+            <p14:sldId id="257"/>
+            <p14:sldId id="258"/>
+            <p14:sldId id="265"/>
+            <p14:sldId id="259"/>
+            <p14:sldId id="260"/>
+            <p14:sldId id="261"/>
+            <p14:sldId id="262"/>
+            <p14:sldId id="264"/>
+            <p14:sldId id="263"/>
+          </p14:sldIdLst>
+        </p14:section>
+      </p14:sectionLst>
+    </p:ext>
     <p:ext uri="{EFAFB233-063F-42B5-8137-9DF3F51BA10A}">
       <p15:sldGuideLst xmlns:p15="http://schemas.microsoft.com/office/powerpoint/2012/main"/>
     </p:ext>
@@ -258,7 +278,7 @@
           <a:p>
             <a:fld id="{5E0A4FE0-387A-4B50-A7CD-B025A9E7D294}" type="datetimeFigureOut">
               <a:rPr lang="en-IN" smtClean="0"/>
-              <a:t>10-02-2026</a:t>
+              <a:t>14-02-2026</a:t>
             </a:fld>
             <a:endParaRPr lang="en-IN"/>
           </a:p>
@@ -469,7 +489,7 @@
           <a:p>
             <a:fld id="{5E0A4FE0-387A-4B50-A7CD-B025A9E7D294}" type="datetimeFigureOut">
               <a:rPr lang="en-IN" smtClean="0"/>
-              <a:t>10-02-2026</a:t>
+              <a:t>14-02-2026</a:t>
             </a:fld>
             <a:endParaRPr lang="en-IN"/>
           </a:p>
@@ -684,7 +704,7 @@
           <a:p>
             <a:fld id="{5E0A4FE0-387A-4B50-A7CD-B025A9E7D294}" type="datetimeFigureOut">
               <a:rPr lang="en-IN" smtClean="0"/>
-              <a:t>10-02-2026</a:t>
+              <a:t>14-02-2026</a:t>
             </a:fld>
             <a:endParaRPr lang="en-IN"/>
           </a:p>
@@ -885,7 +905,7 @@
           <a:p>
             <a:fld id="{5E0A4FE0-387A-4B50-A7CD-B025A9E7D294}" type="datetimeFigureOut">
               <a:rPr lang="en-IN" smtClean="0"/>
-              <a:t>10-02-2026</a:t>
+              <a:t>14-02-2026</a:t>
             </a:fld>
             <a:endParaRPr lang="en-IN"/>
           </a:p>
@@ -1164,7 +1184,7 @@
           <a:p>
             <a:fld id="{5E0A4FE0-387A-4B50-A7CD-B025A9E7D294}" type="datetimeFigureOut">
               <a:rPr lang="en-IN" smtClean="0"/>
-              <a:t>10-02-2026</a:t>
+              <a:t>14-02-2026</a:t>
             </a:fld>
             <a:endParaRPr lang="en-IN"/>
           </a:p>
@@ -1432,7 +1452,7 @@
           <a:p>
             <a:fld id="{5E0A4FE0-387A-4B50-A7CD-B025A9E7D294}" type="datetimeFigureOut">
               <a:rPr lang="en-IN" smtClean="0"/>
-              <a:t>10-02-2026</a:t>
+              <a:t>14-02-2026</a:t>
             </a:fld>
             <a:endParaRPr lang="en-IN"/>
           </a:p>
@@ -1848,7 +1868,7 @@
           <a:p>
             <a:fld id="{5E0A4FE0-387A-4B50-A7CD-B025A9E7D294}" type="datetimeFigureOut">
               <a:rPr lang="en-IN" smtClean="0"/>
-              <a:t>10-02-2026</a:t>
+              <a:t>14-02-2026</a:t>
             </a:fld>
             <a:endParaRPr lang="en-IN"/>
           </a:p>
@@ -1997,7 +2017,7 @@
           <a:p>
             <a:fld id="{5E0A4FE0-387A-4B50-A7CD-B025A9E7D294}" type="datetimeFigureOut">
               <a:rPr lang="en-IN" smtClean="0"/>
-              <a:t>10-02-2026</a:t>
+              <a:t>14-02-2026</a:t>
             </a:fld>
             <a:endParaRPr lang="en-IN"/>
           </a:p>
@@ -2123,7 +2143,7 @@
           <a:p>
             <a:fld id="{5E0A4FE0-387A-4B50-A7CD-B025A9E7D294}" type="datetimeFigureOut">
               <a:rPr lang="en-IN" smtClean="0"/>
-              <a:t>10-02-2026</a:t>
+              <a:t>14-02-2026</a:t>
             </a:fld>
             <a:endParaRPr lang="en-IN"/>
           </a:p>
@@ -2374,7 +2394,7 @@
           <a:p>
             <a:fld id="{5E0A4FE0-387A-4B50-A7CD-B025A9E7D294}" type="datetimeFigureOut">
               <a:rPr lang="en-IN" smtClean="0"/>
-              <a:t>10-02-2026</a:t>
+              <a:t>14-02-2026</a:t>
             </a:fld>
             <a:endParaRPr lang="en-IN"/>
           </a:p>
@@ -2819,7 +2839,7 @@
           <a:p>
             <a:fld id="{5E0A4FE0-387A-4B50-A7CD-B025A9E7D294}" type="datetimeFigureOut">
               <a:rPr lang="en-IN" smtClean="0"/>
-              <a:t>10-02-2026</a:t>
+              <a:t>14-02-2026</a:t>
             </a:fld>
             <a:endParaRPr lang="en-IN"/>
           </a:p>
@@ -3146,7 +3166,7 @@
           <a:p>
             <a:fld id="{5E0A4FE0-387A-4B50-A7CD-B025A9E7D294}" type="datetimeFigureOut">
               <a:rPr lang="en-IN" smtClean="0"/>
-              <a:t>10-02-2026</a:t>
+              <a:t>14-02-2026</a:t>
             </a:fld>
             <a:endParaRPr lang="en-IN"/>
           </a:p>
@@ -3657,20 +3677,33 @@
           <a:p>
             <a:pPr algn="ctr"/>
             <a:r>
-              <a:rPr lang="en-US" sz="4000" b="1" dirty="0" err="1">
+              <a:rPr lang="en-US" sz="3200" b="1" dirty="0">
+                <a:latin typeface="Verdana" panose="020B0604030504040204" pitchFamily="34" charset="0"/>
+                <a:ea typeface="Verdana" panose="020B0604030504040204" pitchFamily="34" charset="0"/>
+              </a:rPr>
+              <a:t>INFOSYS VIRTUAL INTERNSHIP 6.0</a:t>
+            </a:r>
+            <a:br>
+              <a:rPr lang="en-US" sz="3200" b="1" dirty="0">
+                <a:latin typeface="Verdana" panose="020B0604030504040204" pitchFamily="34" charset="0"/>
+                <a:ea typeface="Verdana" panose="020B0604030504040204" pitchFamily="34" charset="0"/>
+              </a:rPr>
+            </a:br>
+            <a:r>
+              <a:rPr lang="en-US" sz="3200" b="1" dirty="0" err="1">
                 <a:latin typeface="Verdana" panose="020B0604030504040204" pitchFamily="34" charset="0"/>
                 <a:ea typeface="Verdana" panose="020B0604030504040204" pitchFamily="34" charset="0"/>
               </a:rPr>
               <a:t>ElectViz</a:t>
             </a:r>
             <a:r>
-              <a:rPr lang="en-US" sz="4000" b="1" dirty="0">
+              <a:rPr lang="en-US" sz="3200" b="1" dirty="0">
                 <a:latin typeface="Verdana" panose="020B0604030504040204" pitchFamily="34" charset="0"/>
                 <a:ea typeface="Verdana" panose="020B0604030504040204" pitchFamily="34" charset="0"/>
               </a:rPr>
               <a:t>: Election Data Visualization for Media</a:t>
             </a:r>
-            <a:endParaRPr lang="en-IN" sz="4000" dirty="0"/>
+            <a:endParaRPr lang="en-IN" sz="3200" dirty="0"/>
           </a:p>
         </p:txBody>
       </p:sp>
@@ -3697,7 +3730,7 @@
           </a:xfrm>
         </p:spPr>
         <p:txBody>
-          <a:bodyPr/>
+          <a:bodyPr anchor="ctr"/>
           <a:lstStyle/>
           <a:p>
             <a:pPr algn="ctr"/>
@@ -3711,6 +3744,49 @@
             <a:r>
               <a:rPr lang="en-IN" dirty="0"/>
               <a:t>Presented by : Neelapu Herambudu</a:t>
+            </a:r>
+          </a:p>
+        </p:txBody>
+      </p:sp>
+      <p:sp>
+        <p:nvSpPr>
+          <p:cNvPr id="5" name="TextBox 4">
+            <a:extLst>
+              <a:ext uri="{FF2B5EF4-FFF2-40B4-BE49-F238E27FC236}">
+                <a16:creationId xmlns:a16="http://schemas.microsoft.com/office/drawing/2014/main" id="{D3FBB7E5-FDCE-0048-6DEA-FA240F070591}"/>
+              </a:ext>
+            </a:extLst>
+          </p:cNvPr>
+          <p:cNvSpPr txBox="1"/>
+          <p:nvPr/>
+        </p:nvSpPr>
+        <p:spPr>
+          <a:xfrm>
+            <a:off x="3046563" y="3593227"/>
+            <a:ext cx="6098874" cy="954107"/>
+          </a:xfrm>
+          <a:prstGeom prst="rect">
+            <a:avLst/>
+          </a:prstGeom>
+          <a:noFill/>
+        </p:spPr>
+        <p:txBody>
+          <a:bodyPr wrap="square">
+            <a:spAutoFit/>
+          </a:bodyPr>
+          <a:lstStyle/>
+          <a:p>
+            <a:pPr algn="ctr"/>
+            <a:r>
+              <a:rPr lang="en-IN" sz="2800" b="1" dirty="0"/>
+              <a:t>BATCH-11</a:t>
+            </a:r>
+            <a:br>
+              <a:rPr lang="en-IN" sz="2800" b="1" dirty="0"/>
+            </a:br>
+            <a:r>
+              <a:rPr lang="en-IN" sz="2800" b="1" dirty="0"/>
+              <a:t>TEAM-D</a:t>
             </a:r>
           </a:p>
         </p:txBody>
@@ -3719,6 +3795,74 @@
     <p:extLst>
       <p:ext uri="{BB962C8B-B14F-4D97-AF65-F5344CB8AC3E}">
         <p14:creationId xmlns:p14="http://schemas.microsoft.com/office/powerpoint/2010/main" val="1843251703"/>
+      </p:ext>
+    </p:extLst>
+  </p:cSld>
+  <p:clrMapOvr>
+    <a:masterClrMapping/>
+  </p:clrMapOvr>
+</p:sld>
+</file>
+
+<file path=ppt/slides/slide10.xml><?xml version="1.0" encoding="utf-8"?>
+<p:sld xmlns:a="http://schemas.openxmlformats.org/drawingml/2006/main" xmlns:r="http://schemas.openxmlformats.org/officeDocument/2006/relationships" xmlns:p="http://schemas.openxmlformats.org/presentationml/2006/main">
+  <p:cSld>
+    <p:spTree>
+      <p:nvGrpSpPr>
+        <p:cNvPr id="1" name=""/>
+        <p:cNvGrpSpPr/>
+        <p:nvPr/>
+      </p:nvGrpSpPr>
+      <p:grpSpPr>
+        <a:xfrm>
+          <a:off x="0" y="0"/>
+          <a:ext cx="0" cy="0"/>
+          <a:chOff x="0" y="0"/>
+          <a:chExt cx="0" cy="0"/>
+        </a:xfrm>
+      </p:grpSpPr>
+      <p:sp>
+        <p:nvSpPr>
+          <p:cNvPr id="5" name="TextBox 4">
+            <a:extLst>
+              <a:ext uri="{FF2B5EF4-FFF2-40B4-BE49-F238E27FC236}">
+                <a16:creationId xmlns:a16="http://schemas.microsoft.com/office/drawing/2014/main" id="{B6AA92AF-FFD6-6781-859A-951203E95737}"/>
+              </a:ext>
+            </a:extLst>
+          </p:cNvPr>
+          <p:cNvSpPr txBox="1"/>
+          <p:nvPr/>
+        </p:nvSpPr>
+        <p:spPr>
+          <a:xfrm>
+            <a:off x="3046563" y="2505670"/>
+            <a:ext cx="6098874" cy="923330"/>
+          </a:xfrm>
+          <a:prstGeom prst="rect">
+            <a:avLst/>
+          </a:prstGeom>
+          <a:noFill/>
+        </p:spPr>
+        <p:txBody>
+          <a:bodyPr wrap="square" anchor="ctr">
+            <a:spAutoFit/>
+          </a:bodyPr>
+          <a:lstStyle/>
+          <a:p>
+            <a:pPr algn="ctr"/>
+            <a:r>
+              <a:rPr lang="en-IN" sz="5400" dirty="0">
+                <a:latin typeface="Cooper Black" panose="0208090404030B020404" pitchFamily="18" charset="0"/>
+              </a:rPr>
+              <a:t>Thank you</a:t>
+            </a:r>
+          </a:p>
+        </p:txBody>
+      </p:sp>
+    </p:spTree>
+    <p:extLst>
+      <p:ext uri="{BB962C8B-B14F-4D97-AF65-F5344CB8AC3E}">
+        <p14:creationId xmlns:p14="http://schemas.microsoft.com/office/powerpoint/2010/main" val="1922647026"/>
       </p:ext>
     </p:extLst>
   </p:cSld>
@@ -3763,7 +3907,7 @@
         </p:nvSpPr>
         <p:spPr/>
         <p:txBody>
-          <a:bodyPr anchor="b"/>
+          <a:bodyPr anchor="ctr"/>
           <a:lstStyle/>
           <a:p>
             <a:pPr algn="ctr"/>
@@ -3883,7 +4027,7 @@
         </p:nvSpPr>
         <p:spPr/>
         <p:txBody>
-          <a:bodyPr anchor="b"/>
+          <a:bodyPr anchor="ctr"/>
           <a:lstStyle/>
           <a:p>
             <a:pPr algn="ctr"/>
@@ -3918,7 +4062,7 @@
         </p:spPr>
         <p:txBody>
           <a:bodyPr>
-            <a:normAutofit lnSpcReduction="10000"/>
+            <a:normAutofit/>
           </a:bodyPr>
           <a:lstStyle/>
           <a:p>
@@ -3929,141 +4073,609 @@
               <a:buNone/>
             </a:pPr>
             <a:r>
-              <a:rPr lang="en-US" sz="1800" b="1" dirty="0"/>
-              <a:t>Workflow</a:t>
-            </a:r>
-          </a:p>
-          <a:p>
-            <a:pPr algn="just">
-              <a:lnSpc>
-                <a:spcPct val="100000"/>
-              </a:lnSpc>
-            </a:pPr>
-            <a:r>
               <a:rPr lang="en-US" sz="1800" dirty="0"/>
-              <a:t>Election data is collected from public sources in CSV/Excel format.</a:t>
-            </a:r>
-          </a:p>
-          <a:p>
-            <a:pPr algn="just">
-              <a:lnSpc>
-                <a:spcPct val="100000"/>
-              </a:lnSpc>
-            </a:pPr>
-            <a:r>
-              <a:rPr lang="en-US" sz="1800" dirty="0"/>
-              <a:t>The data is cleaned, filtered, and transformed to handle missing values and create required metrics.</a:t>
-            </a:r>
-          </a:p>
-          <a:p>
-            <a:pPr algn="just">
-              <a:lnSpc>
-                <a:spcPct val="100000"/>
-              </a:lnSpc>
-            </a:pPr>
-            <a:r>
-              <a:rPr lang="en-US" sz="1800" dirty="0"/>
-              <a:t>Processed data is modeled for analysis using year, state, party, and election type.</a:t>
-            </a:r>
-          </a:p>
-          <a:p>
-            <a:pPr algn="just">
-              <a:lnSpc>
-                <a:spcPct val="100000"/>
-              </a:lnSpc>
-            </a:pPr>
-            <a:r>
-              <a:rPr lang="en-US" sz="1800" dirty="0"/>
-              <a:t>Interactive dashboards are created using suitable charts and filters.</a:t>
-            </a:r>
-          </a:p>
-          <a:p>
-            <a:pPr algn="just">
-              <a:lnSpc>
-                <a:spcPct val="100000"/>
-              </a:lnSpc>
-            </a:pPr>
-            <a:r>
-              <a:rPr lang="en-US" sz="1800" dirty="0"/>
-              <a:t>Insights are generated to support media-friendly election storytelling.</a:t>
-            </a:r>
-          </a:p>
-          <a:p>
-            <a:pPr marL="0" indent="0" algn="just">
-              <a:lnSpc>
-                <a:spcPct val="100000"/>
-              </a:lnSpc>
-              <a:buNone/>
-            </a:pPr>
-            <a:r>
-              <a:rPr lang="en-US" sz="1800" b="1" dirty="0"/>
-              <a:t>System Design</a:t>
-            </a:r>
-          </a:p>
-          <a:p>
-            <a:pPr algn="just">
-              <a:lnSpc>
-                <a:spcPct val="100000"/>
-              </a:lnSpc>
-            </a:pPr>
-            <a:r>
-              <a:rPr lang="en-US" sz="1800" dirty="0"/>
-              <a:t>The system follows a simple layered design:</a:t>
-            </a:r>
-          </a:p>
-          <a:p>
-            <a:pPr algn="just">
-              <a:lnSpc>
-                <a:spcPct val="100000"/>
-              </a:lnSpc>
-            </a:pPr>
-            <a:r>
-              <a:rPr lang="en-US" sz="1800" b="1" dirty="0"/>
-              <a:t>Data Layer:</a:t>
-            </a:r>
-            <a:r>
-              <a:rPr lang="en-US" sz="1800" dirty="0"/>
-              <a:t> Stores raw and cleaned election data</a:t>
-            </a:r>
-          </a:p>
-          <a:p>
-            <a:pPr algn="just">
-              <a:lnSpc>
-                <a:spcPct val="100000"/>
-              </a:lnSpc>
-            </a:pPr>
-            <a:r>
-              <a:rPr lang="en-US" sz="1800" b="1" dirty="0"/>
-              <a:t>Processing Layer:</a:t>
-            </a:r>
-            <a:r>
-              <a:rPr lang="en-US" sz="1800" dirty="0"/>
-              <a:t> Performs calculations and aggregations</a:t>
-            </a:r>
-          </a:p>
-          <a:p>
-            <a:pPr algn="just">
-              <a:lnSpc>
-                <a:spcPct val="100000"/>
-              </a:lnSpc>
-            </a:pPr>
-            <a:r>
-              <a:rPr lang="en-US" sz="1800" b="1" dirty="0"/>
-              <a:t>Visualization Layer:</a:t>
-            </a:r>
-            <a:r>
-              <a:rPr lang="en-US" sz="1800" dirty="0"/>
-              <a:t> Displays insights through interactive dashboards</a:t>
-            </a:r>
-          </a:p>
-          <a:p>
-            <a:pPr marL="0" indent="0" algn="just">
-              <a:lnSpc>
-                <a:spcPct val="100000"/>
-              </a:lnSpc>
-              <a:buNone/>
-            </a:pPr>
-            <a:endParaRPr lang="en-US" sz="1800" dirty="0"/>
+              <a:t> </a:t>
+            </a:r>
+          </a:p>
+        </p:txBody>
+      </p:sp>
+      <p:sp>
+        <p:nvSpPr>
+          <p:cNvPr id="4" name="Rectangle: Rounded Corners 3">
+            <a:extLst>
+              <a:ext uri="{FF2B5EF4-FFF2-40B4-BE49-F238E27FC236}">
+                <a16:creationId xmlns:a16="http://schemas.microsoft.com/office/drawing/2014/main" id="{9164243F-9F75-11F9-AEE9-99EC69818CF0}"/>
+              </a:ext>
+            </a:extLst>
+          </p:cNvPr>
+          <p:cNvSpPr/>
+          <p:nvPr/>
+        </p:nvSpPr>
+        <p:spPr>
+          <a:xfrm>
+            <a:off x="1554789" y="3772355"/>
+            <a:ext cx="2865749" cy="1414021"/>
+          </a:xfrm>
+          <a:prstGeom prst="roundRect">
+            <a:avLst/>
+          </a:prstGeom>
+          <a:effectLst>
+            <a:outerShdw blurRad="50800" dist="38100" dir="5400000" algn="t" rotWithShape="0">
+              <a:prstClr val="black">
+                <a:alpha val="40000"/>
+              </a:prstClr>
+            </a:outerShdw>
+          </a:effectLst>
+        </p:spPr>
+        <p:style>
+          <a:lnRef idx="2">
+            <a:schemeClr val="accent6"/>
+          </a:lnRef>
+          <a:fillRef idx="1">
+            <a:schemeClr val="lt1"/>
+          </a:fillRef>
+          <a:effectRef idx="0">
+            <a:schemeClr val="accent6"/>
+          </a:effectRef>
+          <a:fontRef idx="minor">
+            <a:schemeClr val="dk1"/>
+          </a:fontRef>
+        </p:style>
+        <p:txBody>
+          <a:bodyPr rtlCol="0" anchor="ctr"/>
+          <a:lstStyle/>
+          <a:p>
+            <a:pPr algn="ctr"/>
+            <a:r>
+              <a:rPr lang="en-IN" dirty="0"/>
+              <a:t>Power Query (ETL Layer)  </a:t>
+            </a:r>
+          </a:p>
+          <a:p>
+            <a:r>
+              <a:rPr lang="en-IN" dirty="0"/>
+              <a:t>• Data Cleaning  </a:t>
+            </a:r>
+          </a:p>
+          <a:p>
+            <a:r>
+              <a:rPr lang="en-IN" dirty="0"/>
+              <a:t>• Data Transformation        • Normalization </a:t>
+            </a:r>
+          </a:p>
+        </p:txBody>
+      </p:sp>
+      <p:sp>
+        <p:nvSpPr>
+          <p:cNvPr id="5" name="Rectangle: Rounded Corners 4">
+            <a:extLst>
+              <a:ext uri="{FF2B5EF4-FFF2-40B4-BE49-F238E27FC236}">
+                <a16:creationId xmlns:a16="http://schemas.microsoft.com/office/drawing/2014/main" id="{2681266F-EABD-A045-1A30-2BC7309BEF9D}"/>
+              </a:ext>
+            </a:extLst>
+          </p:cNvPr>
+          <p:cNvSpPr/>
+          <p:nvPr/>
+        </p:nvSpPr>
+        <p:spPr>
+          <a:xfrm>
+            <a:off x="3723202" y="2104951"/>
+            <a:ext cx="3020784" cy="1199730"/>
+          </a:xfrm>
+          <a:prstGeom prst="roundRect">
+            <a:avLst/>
+          </a:prstGeom>
+          <a:effectLst>
+            <a:outerShdw blurRad="50800" dist="38100" dir="5400000" algn="t" rotWithShape="0">
+              <a:prstClr val="black">
+                <a:alpha val="40000"/>
+              </a:prstClr>
+            </a:outerShdw>
+          </a:effectLst>
+        </p:spPr>
+        <p:style>
+          <a:lnRef idx="2">
+            <a:schemeClr val="accent6"/>
+          </a:lnRef>
+          <a:fillRef idx="1">
+            <a:schemeClr val="lt1"/>
+          </a:fillRef>
+          <a:effectRef idx="0">
+            <a:schemeClr val="accent6"/>
+          </a:effectRef>
+          <a:fontRef idx="minor">
+            <a:schemeClr val="dk1"/>
+          </a:fontRef>
+        </p:style>
+        <p:txBody>
+          <a:bodyPr rtlCol="0" anchor="ctr"/>
+          <a:lstStyle/>
+          <a:p>
+            <a:pPr algn="ctr"/>
+            <a:r>
+              <a:rPr lang="en-US" dirty="0"/>
+              <a:t>Power BI Data Model </a:t>
+            </a:r>
+          </a:p>
+          <a:p>
+            <a:pPr algn="ctr"/>
+            <a:r>
+              <a:rPr lang="en-US" dirty="0"/>
+              <a:t>• </a:t>
+            </a:r>
+            <a:r>
+              <a:rPr lang="en-IN" dirty="0"/>
+              <a:t>Tables &amp; Relationships</a:t>
+            </a:r>
+          </a:p>
+        </p:txBody>
+      </p:sp>
+      <p:sp>
+        <p:nvSpPr>
+          <p:cNvPr id="6" name="Rectangle: Rounded Corners 5">
+            <a:extLst>
+              <a:ext uri="{FF2B5EF4-FFF2-40B4-BE49-F238E27FC236}">
+                <a16:creationId xmlns:a16="http://schemas.microsoft.com/office/drawing/2014/main" id="{C0057162-202B-F239-969A-449F319AC130}"/>
+              </a:ext>
+            </a:extLst>
+          </p:cNvPr>
+          <p:cNvSpPr/>
+          <p:nvPr/>
+        </p:nvSpPr>
+        <p:spPr>
+          <a:xfrm>
+            <a:off x="5311111" y="3673990"/>
+            <a:ext cx="2865749" cy="1610750"/>
+          </a:xfrm>
+          <a:prstGeom prst="roundRect">
+            <a:avLst/>
+          </a:prstGeom>
+          <a:effectLst>
+            <a:outerShdw blurRad="50800" dist="38100" dir="5400000" algn="t" rotWithShape="0">
+              <a:prstClr val="black">
+                <a:alpha val="40000"/>
+              </a:prstClr>
+            </a:outerShdw>
+          </a:effectLst>
+        </p:spPr>
+        <p:style>
+          <a:lnRef idx="2">
+            <a:schemeClr val="accent6"/>
+          </a:lnRef>
+          <a:fillRef idx="1">
+            <a:schemeClr val="lt1"/>
+          </a:fillRef>
+          <a:effectRef idx="0">
+            <a:schemeClr val="accent6"/>
+          </a:effectRef>
+          <a:fontRef idx="minor">
+            <a:schemeClr val="dk1"/>
+          </a:fontRef>
+        </p:style>
+        <p:txBody>
+          <a:bodyPr rtlCol="0" anchor="ctr"/>
+          <a:lstStyle/>
+          <a:p>
+            <a:pPr algn="ctr"/>
+            <a:r>
+              <a:rPr lang="en-IN" dirty="0"/>
+              <a:t>DAX Measures &amp; KPIs</a:t>
+            </a:r>
+          </a:p>
+          <a:p>
+            <a:r>
+              <a:rPr lang="en-IN" dirty="0"/>
+              <a:t>• Vote Share Calculations</a:t>
+            </a:r>
+          </a:p>
+          <a:p>
+            <a:r>
+              <a:rPr lang="en-IN" dirty="0"/>
+              <a:t>• Seats Won Metrics</a:t>
+            </a:r>
+          </a:p>
+          <a:p>
+            <a:r>
+              <a:rPr lang="en-IN" dirty="0"/>
+              <a:t>• Aggregations &amp; Trends</a:t>
+            </a:r>
+          </a:p>
+        </p:txBody>
+      </p:sp>
+      <p:sp>
+        <p:nvSpPr>
+          <p:cNvPr id="7" name="Rectangle: Rounded Corners 6">
+            <a:extLst>
+              <a:ext uri="{FF2B5EF4-FFF2-40B4-BE49-F238E27FC236}">
+                <a16:creationId xmlns:a16="http://schemas.microsoft.com/office/drawing/2014/main" id="{1E6AF852-4413-20C2-F03A-82E40F2B2927}"/>
+              </a:ext>
+            </a:extLst>
+          </p:cNvPr>
+          <p:cNvSpPr/>
+          <p:nvPr/>
+        </p:nvSpPr>
+        <p:spPr>
+          <a:xfrm>
+            <a:off x="7479524" y="2061967"/>
+            <a:ext cx="2565535" cy="1285697"/>
+          </a:xfrm>
+          <a:prstGeom prst="roundRect">
+            <a:avLst/>
+          </a:prstGeom>
+          <a:effectLst>
+            <a:outerShdw blurRad="50800" dist="38100" dir="5400000" algn="t" rotWithShape="0">
+              <a:prstClr val="black">
+                <a:alpha val="40000"/>
+              </a:prstClr>
+            </a:outerShdw>
+          </a:effectLst>
+        </p:spPr>
+        <p:style>
+          <a:lnRef idx="2">
+            <a:schemeClr val="accent6"/>
+          </a:lnRef>
+          <a:fillRef idx="1">
+            <a:schemeClr val="lt1"/>
+          </a:fillRef>
+          <a:effectRef idx="0">
+            <a:schemeClr val="accent6"/>
+          </a:effectRef>
+          <a:fontRef idx="minor">
+            <a:schemeClr val="dk1"/>
+          </a:fontRef>
+        </p:style>
+        <p:txBody>
+          <a:bodyPr rtlCol="0" anchor="ctr"/>
+          <a:lstStyle/>
+          <a:p>
+            <a:r>
+              <a:rPr lang="en-US" dirty="0"/>
+              <a:t>Interactive Dashboard </a:t>
+            </a:r>
+          </a:p>
+          <a:p>
+            <a:r>
+              <a:rPr lang="en-US" dirty="0"/>
+              <a:t>• Charts &amp; Maps </a:t>
+            </a:r>
+          </a:p>
+          <a:p>
+            <a:r>
+              <a:rPr lang="en-US" dirty="0"/>
+              <a:t>• KPI Cards </a:t>
+            </a:r>
+          </a:p>
+          <a:p>
+            <a:r>
+              <a:rPr lang="en-US" dirty="0"/>
+              <a:t>• Filters &amp; Slicers </a:t>
+            </a:r>
+            <a:endParaRPr lang="en-IN" dirty="0"/>
+          </a:p>
+        </p:txBody>
+      </p:sp>
+      <p:sp>
+        <p:nvSpPr>
+          <p:cNvPr id="8" name="Rectangle: Rounded Corners 7">
+            <a:extLst>
+              <a:ext uri="{FF2B5EF4-FFF2-40B4-BE49-F238E27FC236}">
+                <a16:creationId xmlns:a16="http://schemas.microsoft.com/office/drawing/2014/main" id="{8B612F6D-E215-277A-5992-667E63C62676}"/>
+              </a:ext>
+            </a:extLst>
+          </p:cNvPr>
+          <p:cNvSpPr/>
+          <p:nvPr/>
+        </p:nvSpPr>
+        <p:spPr>
+          <a:xfrm>
+            <a:off x="9067433" y="3994408"/>
+            <a:ext cx="2565536" cy="976292"/>
+          </a:xfrm>
+          <a:prstGeom prst="roundRect">
+            <a:avLst/>
+          </a:prstGeom>
+          <a:effectLst>
+            <a:outerShdw blurRad="50800" dist="38100" dir="5400000" algn="t" rotWithShape="0">
+              <a:prstClr val="black">
+                <a:alpha val="40000"/>
+              </a:prstClr>
+            </a:outerShdw>
+          </a:effectLst>
+        </p:spPr>
+        <p:style>
+          <a:lnRef idx="2">
+            <a:schemeClr val="accent6"/>
+          </a:lnRef>
+          <a:fillRef idx="1">
+            <a:schemeClr val="lt1"/>
+          </a:fillRef>
+          <a:effectRef idx="0">
+            <a:schemeClr val="accent6"/>
+          </a:effectRef>
+          <a:fontRef idx="minor">
+            <a:schemeClr val="dk1"/>
+          </a:fontRef>
+        </p:style>
+        <p:txBody>
+          <a:bodyPr rtlCol="0" anchor="ctr"/>
+          <a:lstStyle/>
+          <a:p>
+            <a:r>
+              <a:rPr lang="en-IN" dirty="0"/>
+              <a:t>User Insights &amp; Analysis </a:t>
+            </a:r>
+          </a:p>
+          <a:p>
+            <a:r>
+              <a:rPr lang="en-IN" dirty="0"/>
+              <a:t>• Trends Identification </a:t>
+            </a:r>
+          </a:p>
+          <a:p>
+            <a:r>
+              <a:rPr lang="en-IN" dirty="0"/>
+              <a:t>• Comparative Analysis </a:t>
+            </a:r>
+          </a:p>
+        </p:txBody>
+      </p:sp>
+      <p:cxnSp>
+        <p:nvCxnSpPr>
+          <p:cNvPr id="9" name="Straight Arrow Connector 8">
+            <a:extLst>
+              <a:ext uri="{FF2B5EF4-FFF2-40B4-BE49-F238E27FC236}">
+                <a16:creationId xmlns:a16="http://schemas.microsoft.com/office/drawing/2014/main" id="{BE986F00-559D-D4A2-4379-4638C3B8EE0C}"/>
+              </a:ext>
+            </a:extLst>
+          </p:cNvPr>
+          <p:cNvCxnSpPr>
+            <a:cxnSpLocks/>
+          </p:cNvCxnSpPr>
+          <p:nvPr/>
+        </p:nvCxnSpPr>
+        <p:spPr>
+          <a:xfrm>
+            <a:off x="5187973" y="3304681"/>
+            <a:ext cx="1035784" cy="369309"/>
+          </a:xfrm>
+          <a:prstGeom prst="straightConnector1">
+            <a:avLst/>
+          </a:prstGeom>
+          <a:ln>
+            <a:tailEnd type="triangle"/>
+          </a:ln>
+        </p:spPr>
+        <p:style>
+          <a:lnRef idx="2">
+            <a:schemeClr val="dk1"/>
+          </a:lnRef>
+          <a:fillRef idx="0">
+            <a:schemeClr val="dk1"/>
+          </a:fillRef>
+          <a:effectRef idx="1">
+            <a:schemeClr val="dk1"/>
+          </a:effectRef>
+          <a:fontRef idx="minor">
+            <a:schemeClr val="tx1"/>
+          </a:fontRef>
+        </p:style>
+      </p:cxnSp>
+      <p:cxnSp>
+        <p:nvCxnSpPr>
+          <p:cNvPr id="10" name="Straight Arrow Connector 9">
+            <a:extLst>
+              <a:ext uri="{FF2B5EF4-FFF2-40B4-BE49-F238E27FC236}">
+                <a16:creationId xmlns:a16="http://schemas.microsoft.com/office/drawing/2014/main" id="{7400FCF3-36F7-22F8-1D87-4B57C08FB015}"/>
+              </a:ext>
+            </a:extLst>
+          </p:cNvPr>
+          <p:cNvCxnSpPr>
+            <a:cxnSpLocks/>
+          </p:cNvCxnSpPr>
+          <p:nvPr/>
+        </p:nvCxnSpPr>
+        <p:spPr>
+          <a:xfrm>
+            <a:off x="9110096" y="3347664"/>
+            <a:ext cx="1097613" cy="646744"/>
+          </a:xfrm>
+          <a:prstGeom prst="straightConnector1">
+            <a:avLst/>
+          </a:prstGeom>
+          <a:ln>
+            <a:tailEnd type="triangle"/>
+          </a:ln>
+        </p:spPr>
+        <p:style>
+          <a:lnRef idx="2">
+            <a:schemeClr val="dk1"/>
+          </a:lnRef>
+          <a:fillRef idx="0">
+            <a:schemeClr val="dk1"/>
+          </a:fillRef>
+          <a:effectRef idx="1">
+            <a:schemeClr val="dk1"/>
+          </a:effectRef>
+          <a:fontRef idx="minor">
+            <a:schemeClr val="tx1"/>
+          </a:fontRef>
+        </p:style>
+      </p:cxnSp>
+      <p:cxnSp>
+        <p:nvCxnSpPr>
+          <p:cNvPr id="11" name="Straight Arrow Connector 10">
+            <a:extLst>
+              <a:ext uri="{FF2B5EF4-FFF2-40B4-BE49-F238E27FC236}">
+                <a16:creationId xmlns:a16="http://schemas.microsoft.com/office/drawing/2014/main" id="{ECD584B6-59CE-EB74-E69D-3B981E0A4837}"/>
+              </a:ext>
+            </a:extLst>
+          </p:cNvPr>
+          <p:cNvCxnSpPr>
+            <a:cxnSpLocks/>
+          </p:cNvCxnSpPr>
+          <p:nvPr/>
+        </p:nvCxnSpPr>
+        <p:spPr>
+          <a:xfrm>
+            <a:off x="1846139" y="3224222"/>
+            <a:ext cx="763754" cy="551523"/>
+          </a:xfrm>
+          <a:prstGeom prst="straightConnector1">
+            <a:avLst/>
+          </a:prstGeom>
+          <a:ln>
+            <a:tailEnd type="triangle"/>
+          </a:ln>
+        </p:spPr>
+        <p:style>
+          <a:lnRef idx="2">
+            <a:schemeClr val="dk1"/>
+          </a:lnRef>
+          <a:fillRef idx="0">
+            <a:schemeClr val="dk1"/>
+          </a:fillRef>
+          <a:effectRef idx="1">
+            <a:schemeClr val="dk1"/>
+          </a:effectRef>
+          <a:fontRef idx="minor">
+            <a:schemeClr val="tx1"/>
+          </a:fontRef>
+        </p:style>
+      </p:cxnSp>
+      <p:cxnSp>
+        <p:nvCxnSpPr>
+          <p:cNvPr id="12" name="Straight Arrow Connector 11">
+            <a:extLst>
+              <a:ext uri="{FF2B5EF4-FFF2-40B4-BE49-F238E27FC236}">
+                <a16:creationId xmlns:a16="http://schemas.microsoft.com/office/drawing/2014/main" id="{C91C5863-2030-2092-43FA-9502242FC1AC}"/>
+              </a:ext>
+            </a:extLst>
+          </p:cNvPr>
+          <p:cNvCxnSpPr>
+            <a:cxnSpLocks/>
+          </p:cNvCxnSpPr>
+          <p:nvPr/>
+        </p:nvCxnSpPr>
+        <p:spPr>
+          <a:xfrm flipV="1">
+            <a:off x="3580194" y="3347664"/>
+            <a:ext cx="937391" cy="424691"/>
+          </a:xfrm>
+          <a:prstGeom prst="straightConnector1">
+            <a:avLst/>
+          </a:prstGeom>
+          <a:ln>
+            <a:tailEnd type="triangle"/>
+          </a:ln>
+        </p:spPr>
+        <p:style>
+          <a:lnRef idx="1">
+            <a:schemeClr val="accent1"/>
+          </a:lnRef>
+          <a:fillRef idx="0">
+            <a:schemeClr val="accent1"/>
+          </a:fillRef>
+          <a:effectRef idx="0">
+            <a:schemeClr val="accent1"/>
+          </a:effectRef>
+          <a:fontRef idx="minor">
+            <a:schemeClr val="tx1"/>
+          </a:fontRef>
+        </p:style>
+      </p:cxnSp>
+      <p:cxnSp>
+        <p:nvCxnSpPr>
+          <p:cNvPr id="13" name="Straight Arrow Connector 12">
+            <a:extLst>
+              <a:ext uri="{FF2B5EF4-FFF2-40B4-BE49-F238E27FC236}">
+                <a16:creationId xmlns:a16="http://schemas.microsoft.com/office/drawing/2014/main" id="{F53A7F31-7515-5538-F24F-8E2A59D6D7FA}"/>
+              </a:ext>
+            </a:extLst>
+          </p:cNvPr>
+          <p:cNvCxnSpPr>
+            <a:cxnSpLocks/>
+          </p:cNvCxnSpPr>
+          <p:nvPr/>
+        </p:nvCxnSpPr>
+        <p:spPr>
+          <a:xfrm flipV="1">
+            <a:off x="7614249" y="3347664"/>
+            <a:ext cx="1007897" cy="326326"/>
+          </a:xfrm>
+          <a:prstGeom prst="straightConnector1">
+            <a:avLst/>
+          </a:prstGeom>
+          <a:ln>
+            <a:tailEnd type="triangle"/>
+          </a:ln>
+        </p:spPr>
+        <p:style>
+          <a:lnRef idx="1">
+            <a:schemeClr val="accent1"/>
+          </a:lnRef>
+          <a:fillRef idx="0">
+            <a:schemeClr val="accent1"/>
+          </a:fillRef>
+          <a:effectRef idx="0">
+            <a:schemeClr val="accent1"/>
+          </a:effectRef>
+          <a:fontRef idx="minor">
+            <a:schemeClr val="tx1"/>
+          </a:fontRef>
+        </p:style>
+      </p:cxnSp>
+      <p:sp>
+        <p:nvSpPr>
+          <p:cNvPr id="14" name="Rectangle: Rounded Corners 13">
+            <a:extLst>
+              <a:ext uri="{FF2B5EF4-FFF2-40B4-BE49-F238E27FC236}">
+                <a16:creationId xmlns:a16="http://schemas.microsoft.com/office/drawing/2014/main" id="{2B6C2867-0AFB-3524-2468-D403F90063D8}"/>
+              </a:ext>
+            </a:extLst>
+          </p:cNvPr>
+          <p:cNvSpPr/>
+          <p:nvPr/>
+        </p:nvSpPr>
+        <p:spPr>
+          <a:xfrm>
+            <a:off x="716041" y="2198503"/>
+            <a:ext cx="2271623" cy="1049236"/>
+          </a:xfrm>
+          <a:prstGeom prst="roundRect">
+            <a:avLst/>
+          </a:prstGeom>
+          <a:effectLst>
+            <a:outerShdw blurRad="50800" dist="38100" dir="2700000" algn="tl" rotWithShape="0">
+              <a:prstClr val="black">
+                <a:alpha val="40000"/>
+              </a:prstClr>
+            </a:outerShdw>
+          </a:effectLst>
+        </p:spPr>
+        <p:style>
+          <a:lnRef idx="2">
+            <a:schemeClr val="accent6"/>
+          </a:lnRef>
+          <a:fillRef idx="1">
+            <a:schemeClr val="lt1"/>
+          </a:fillRef>
+          <a:effectRef idx="0">
+            <a:schemeClr val="accent6"/>
+          </a:effectRef>
+          <a:fontRef idx="minor">
+            <a:schemeClr val="dk1"/>
+          </a:fontRef>
+        </p:style>
+        <p:txBody>
+          <a:bodyPr rtlCol="0" anchor="ctr"/>
+          <a:lstStyle/>
+          <a:p>
+            <a:pPr algn="ctr"/>
+            <a:r>
+              <a:rPr lang="en-US" dirty="0"/>
+              <a:t>CSV Dataset        (Raw Election Data) </a:t>
+            </a:r>
+            <a:endParaRPr lang="en-IN" dirty="0"/>
           </a:p>
         </p:txBody>
       </p:sp>
@@ -4102,6 +4714,253 @@
           <p:cNvPr id="2" name="Title 1">
             <a:extLst>
               <a:ext uri="{FF2B5EF4-FFF2-40B4-BE49-F238E27FC236}">
+                <a16:creationId xmlns:a16="http://schemas.microsoft.com/office/drawing/2014/main" id="{AEF7686F-E450-8F36-79B9-6BCD0D5AC341}"/>
+              </a:ext>
+            </a:extLst>
+          </p:cNvPr>
+          <p:cNvSpPr>
+            <a:spLocks noGrp="1"/>
+          </p:cNvSpPr>
+          <p:nvPr>
+            <p:ph type="title"/>
+          </p:nvPr>
+        </p:nvSpPr>
+        <p:spPr/>
+        <p:txBody>
+          <a:bodyPr anchor="ctr"/>
+          <a:lstStyle/>
+          <a:p>
+            <a:pPr algn="ctr"/>
+            <a:r>
+              <a:rPr lang="en-IN" b="1" dirty="0"/>
+              <a:t>milestones</a:t>
+            </a:r>
+          </a:p>
+        </p:txBody>
+      </p:sp>
+      <p:sp>
+        <p:nvSpPr>
+          <p:cNvPr id="3" name="Content Placeholder 2">
+            <a:extLst>
+              <a:ext uri="{FF2B5EF4-FFF2-40B4-BE49-F238E27FC236}">
+                <a16:creationId xmlns:a16="http://schemas.microsoft.com/office/drawing/2014/main" id="{5FBFBA4E-C360-E45E-3716-015D61613AF3}"/>
+              </a:ext>
+            </a:extLst>
+          </p:cNvPr>
+          <p:cNvSpPr>
+            <a:spLocks noGrp="1"/>
+          </p:cNvSpPr>
+          <p:nvPr>
+            <p:ph idx="1"/>
+          </p:nvPr>
+        </p:nvSpPr>
+        <p:spPr>
+          <a:xfrm>
+            <a:off x="1451579" y="1797196"/>
+            <a:ext cx="9603275" cy="3450613"/>
+          </a:xfrm>
+        </p:spPr>
+        <p:txBody>
+          <a:bodyPr>
+            <a:noAutofit/>
+          </a:bodyPr>
+          <a:lstStyle/>
+          <a:p>
+            <a:pPr marL="0" indent="0" algn="just">
+              <a:buNone/>
+            </a:pPr>
+            <a:r>
+              <a:rPr lang="en-US" sz="1400" b="1" u="sng" dirty="0">
+                <a:latin typeface="+mj-lt"/>
+                <a:cs typeface="Times New Roman" panose="02020603050405020304" pitchFamily="18" charset="0"/>
+              </a:rPr>
+              <a:t>Milestone 1: </a:t>
+            </a:r>
+          </a:p>
+          <a:p>
+            <a:pPr marL="0" indent="0" algn="just">
+              <a:buNone/>
+            </a:pPr>
+            <a:r>
+              <a:rPr lang="en-US" sz="1400" dirty="0">
+                <a:latin typeface="+mj-lt"/>
+                <a:cs typeface="Times New Roman" panose="02020603050405020304" pitchFamily="18" charset="0"/>
+              </a:rPr>
+              <a:t>This phase focused on understanding project objectives and preparing the election dataset for analysis. </a:t>
+            </a:r>
+            <a:r>
+              <a:rPr lang="en-US" sz="1400" b="1" dirty="0">
+                <a:latin typeface="+mj-lt"/>
+                <a:cs typeface="Times New Roman" panose="02020603050405020304" pitchFamily="18" charset="0"/>
+              </a:rPr>
+              <a:t>Data cleaning and preprocessing </a:t>
+            </a:r>
+            <a:r>
+              <a:rPr lang="en-US" sz="1400" dirty="0">
+                <a:latin typeface="+mj-lt"/>
+                <a:cs typeface="Times New Roman" panose="02020603050405020304" pitchFamily="18" charset="0"/>
+              </a:rPr>
+              <a:t>were performed to ensure accuracy, consistency, and reliability across all election years and states.</a:t>
+            </a:r>
+          </a:p>
+          <a:p>
+            <a:pPr marL="0" indent="0" algn="just">
+              <a:buNone/>
+            </a:pPr>
+            <a:r>
+              <a:rPr lang="en-US" sz="1400" b="1" u="sng" dirty="0">
+                <a:latin typeface="+mj-lt"/>
+                <a:cs typeface="Times New Roman" panose="02020603050405020304" pitchFamily="18" charset="0"/>
+              </a:rPr>
+              <a:t>Milestone 2: </a:t>
+            </a:r>
+          </a:p>
+          <a:p>
+            <a:pPr marL="0" indent="0" algn="just">
+              <a:buNone/>
+            </a:pPr>
+            <a:r>
+              <a:rPr lang="en-US" sz="1400" dirty="0">
+                <a:latin typeface="+mj-lt"/>
+                <a:cs typeface="Times New Roman" panose="02020603050405020304" pitchFamily="18" charset="0"/>
+              </a:rPr>
+              <a:t>This milestone involved building the first set of dashboard pages, including </a:t>
+            </a:r>
+            <a:r>
+              <a:rPr lang="en-US" sz="1400" b="1" dirty="0">
+                <a:latin typeface="+mj-lt"/>
+                <a:cs typeface="Times New Roman" panose="02020603050405020304" pitchFamily="18" charset="0"/>
+              </a:rPr>
+              <a:t>Election Overview, Special Elections and Fusion Ticket Analysis, and State-wise Candidate Vote Distribution</a:t>
+            </a:r>
+            <a:r>
+              <a:rPr lang="en-US" sz="1400" dirty="0">
+                <a:latin typeface="+mj-lt"/>
+                <a:cs typeface="Times New Roman" panose="02020603050405020304" pitchFamily="18" charset="0"/>
+              </a:rPr>
+              <a:t>. These pages provide high-level trends and regional insights into voting patterns and electoral behavior.</a:t>
+            </a:r>
+          </a:p>
+          <a:p>
+            <a:pPr marL="0" indent="0" algn="just">
+              <a:buNone/>
+            </a:pPr>
+            <a:r>
+              <a:rPr lang="en-US" sz="1400" b="1" u="sng" dirty="0">
+                <a:latin typeface="+mj-lt"/>
+                <a:cs typeface="Times New Roman" panose="02020603050405020304" pitchFamily="18" charset="0"/>
+              </a:rPr>
+              <a:t>Milestone3:</a:t>
+            </a:r>
+            <a:r>
+              <a:rPr lang="en-US" sz="1400" b="1" dirty="0">
+                <a:latin typeface="+mj-lt"/>
+                <a:cs typeface="Times New Roman" panose="02020603050405020304" pitchFamily="18" charset="0"/>
+              </a:rPr>
+              <a:t> </a:t>
+            </a:r>
+          </a:p>
+          <a:p>
+            <a:pPr marL="0" indent="0" algn="just">
+              <a:buNone/>
+            </a:pPr>
+            <a:r>
+              <a:rPr lang="en-US" sz="1400" dirty="0">
+                <a:latin typeface="+mj-lt"/>
+                <a:cs typeface="Times New Roman" panose="02020603050405020304" pitchFamily="18" charset="0"/>
+              </a:rPr>
+              <a:t>In this phase, advanced analytical pages were developed to evaluate </a:t>
+            </a:r>
+            <a:r>
+              <a:rPr lang="en-US" sz="1400" b="1" dirty="0">
+                <a:latin typeface="+mj-lt"/>
+                <a:cs typeface="Times New Roman" panose="02020603050405020304" pitchFamily="18" charset="0"/>
+              </a:rPr>
+              <a:t>party dominance, candidate performance, and seat distribution across states</a:t>
+            </a:r>
+            <a:r>
+              <a:rPr lang="en-US" sz="1400" dirty="0">
+                <a:latin typeface="+mj-lt"/>
+                <a:cs typeface="Times New Roman" panose="02020603050405020304" pitchFamily="18" charset="0"/>
+              </a:rPr>
+              <a:t>. The visuals enable deeper insights into political control and shifts in power over time.</a:t>
+            </a:r>
+          </a:p>
+          <a:p>
+            <a:pPr marL="0" indent="0" algn="just">
+              <a:buNone/>
+            </a:pPr>
+            <a:r>
+              <a:rPr lang="en-US" sz="1400" b="1" u="sng" dirty="0">
+                <a:latin typeface="+mj-lt"/>
+                <a:cs typeface="Times New Roman" panose="02020603050405020304" pitchFamily="18" charset="0"/>
+              </a:rPr>
+              <a:t>Milestone 4: </a:t>
+            </a:r>
+          </a:p>
+          <a:p>
+            <a:pPr marL="0" indent="0" algn="just">
+              <a:buNone/>
+            </a:pPr>
+            <a:r>
+              <a:rPr lang="en-US" sz="1400" dirty="0">
+                <a:latin typeface="+mj-lt"/>
+                <a:cs typeface="Times New Roman" panose="02020603050405020304" pitchFamily="18" charset="0"/>
+              </a:rPr>
+              <a:t>The final milestone completed the dashboard with </a:t>
+            </a:r>
+            <a:r>
+              <a:rPr lang="en-US" sz="1400" b="1" dirty="0">
+                <a:latin typeface="+mj-lt"/>
+                <a:cs typeface="Times New Roman" panose="02020603050405020304" pitchFamily="18" charset="0"/>
+              </a:rPr>
+              <a:t>voter participation analysis and a consolidated results overview</a:t>
+            </a:r>
+            <a:r>
+              <a:rPr lang="en-US" sz="1400" dirty="0">
+                <a:latin typeface="+mj-lt"/>
+                <a:cs typeface="Times New Roman" panose="02020603050405020304" pitchFamily="18" charset="0"/>
+              </a:rPr>
+              <a:t>. This phase focused on summarizing insights and enhancing storytelling for quick interpretation and presentation.</a:t>
+            </a:r>
+          </a:p>
+        </p:txBody>
+      </p:sp>
+    </p:spTree>
+    <p:extLst>
+      <p:ext uri="{BB962C8B-B14F-4D97-AF65-F5344CB8AC3E}">
+        <p14:creationId xmlns:p14="http://schemas.microsoft.com/office/powerpoint/2010/main" val="4065586574"/>
+      </p:ext>
+    </p:extLst>
+  </p:cSld>
+  <p:clrMapOvr>
+    <a:masterClrMapping/>
+  </p:clrMapOvr>
+</p:sld>
+</file>
+
+<file path=ppt/slides/slide5.xml><?xml version="1.0" encoding="utf-8"?>
+<p:sld xmlns:a="http://schemas.openxmlformats.org/drawingml/2006/main" xmlns:r="http://schemas.openxmlformats.org/officeDocument/2006/relationships" xmlns:p="http://schemas.openxmlformats.org/presentationml/2006/main">
+  <p:cSld>
+    <p:spTree>
+      <p:nvGrpSpPr>
+        <p:cNvPr id="1" name=""/>
+        <p:cNvGrpSpPr/>
+        <p:nvPr/>
+      </p:nvGrpSpPr>
+      <p:grpSpPr>
+        <a:xfrm>
+          <a:off x="0" y="0"/>
+          <a:ext cx="0" cy="0"/>
+          <a:chOff x="0" y="0"/>
+          <a:chExt cx="0" cy="0"/>
+        </a:xfrm>
+      </p:grpSpPr>
+      <p:sp>
+        <p:nvSpPr>
+          <p:cNvPr id="2" name="Title 1">
+            <a:extLst>
+              <a:ext uri="{FF2B5EF4-FFF2-40B4-BE49-F238E27FC236}">
                 <a16:creationId xmlns:a16="http://schemas.microsoft.com/office/drawing/2014/main" id="{C57B6092-9D5A-56DF-AFD0-7FC3432728D1}"/>
               </a:ext>
             </a:extLst>
@@ -4115,7 +4974,7 @@
         </p:nvSpPr>
         <p:spPr/>
         <p:txBody>
-          <a:bodyPr anchor="b"/>
+          <a:bodyPr anchor="ctr"/>
           <a:lstStyle/>
           <a:p>
             <a:pPr algn="ctr"/>
@@ -4236,7 +5095,7 @@
 </p:sld>
 </file>
 
-<file path=ppt/slides/slide5.xml><?xml version="1.0" encoding="utf-8"?>
+<file path=ppt/slides/slide6.xml><?xml version="1.0" encoding="utf-8"?>
 <p:sld xmlns:a="http://schemas.openxmlformats.org/drawingml/2006/main" xmlns:r="http://schemas.openxmlformats.org/officeDocument/2006/relationships" xmlns:p="http://schemas.openxmlformats.org/presentationml/2006/main">
   <p:cSld>
     <p:spTree>
@@ -4500,7 +5359,7 @@
 </p:sld>
 </file>
 
-<file path=ppt/slides/slide6.xml><?xml version="1.0" encoding="utf-8"?>
+<file path=ppt/slides/slide7.xml><?xml version="1.0" encoding="utf-8"?>
 <p:sld xmlns:a="http://schemas.openxmlformats.org/drawingml/2006/main" xmlns:r="http://schemas.openxmlformats.org/officeDocument/2006/relationships" xmlns:p="http://schemas.openxmlformats.org/presentationml/2006/main">
   <p:cSld>
     <p:spTree>
@@ -4710,105 +5569,6 @@
 </p:sld>
 </file>
 
-<file path=ppt/slides/slide7.xml><?xml version="1.0" encoding="utf-8"?>
-<p:sld xmlns:a="http://schemas.openxmlformats.org/drawingml/2006/main" xmlns:r="http://schemas.openxmlformats.org/officeDocument/2006/relationships" xmlns:p="http://schemas.openxmlformats.org/presentationml/2006/main">
-  <p:cSld>
-    <p:spTree>
-      <p:nvGrpSpPr>
-        <p:cNvPr id="1" name=""/>
-        <p:cNvGrpSpPr/>
-        <p:nvPr/>
-      </p:nvGrpSpPr>
-      <p:grpSpPr>
-        <a:xfrm>
-          <a:off x="0" y="0"/>
-          <a:ext cx="0" cy="0"/>
-          <a:chOff x="0" y="0"/>
-          <a:chExt cx="0" cy="0"/>
-        </a:xfrm>
-      </p:grpSpPr>
-      <p:sp>
-        <p:nvSpPr>
-          <p:cNvPr id="2" name="Title 1">
-            <a:extLst>
-              <a:ext uri="{FF2B5EF4-FFF2-40B4-BE49-F238E27FC236}">
-                <a16:creationId xmlns:a16="http://schemas.microsoft.com/office/drawing/2014/main" id="{5E1D7127-8D51-3A85-AD22-3B0C641A6D19}"/>
-              </a:ext>
-            </a:extLst>
-          </p:cNvPr>
-          <p:cNvSpPr>
-            <a:spLocks noGrp="1"/>
-          </p:cNvSpPr>
-          <p:nvPr>
-            <p:ph type="title"/>
-          </p:nvPr>
-        </p:nvSpPr>
-        <p:spPr/>
-        <p:txBody>
-          <a:bodyPr anchor="ctr"/>
-          <a:lstStyle/>
-          <a:p>
-            <a:pPr algn="ctr"/>
-            <a:r>
-              <a:rPr lang="en-IN" b="1" dirty="0"/>
-              <a:t>conclusion</a:t>
-            </a:r>
-          </a:p>
-        </p:txBody>
-      </p:sp>
-      <p:sp>
-        <p:nvSpPr>
-          <p:cNvPr id="3" name="Content Placeholder 2">
-            <a:extLst>
-              <a:ext uri="{FF2B5EF4-FFF2-40B4-BE49-F238E27FC236}">
-                <a16:creationId xmlns:a16="http://schemas.microsoft.com/office/drawing/2014/main" id="{100F7B60-E206-DBA2-3A40-436791705C67}"/>
-              </a:ext>
-            </a:extLst>
-          </p:cNvPr>
-          <p:cNvSpPr>
-            <a:spLocks noGrp="1"/>
-          </p:cNvSpPr>
-          <p:nvPr>
-            <p:ph idx="1"/>
-          </p:nvPr>
-        </p:nvSpPr>
-        <p:spPr/>
-        <p:txBody>
-          <a:bodyPr anchor="ctr"/>
-          <a:lstStyle/>
-          <a:p>
-            <a:pPr marL="0" indent="0" algn="just">
-              <a:buNone/>
-            </a:pPr>
-            <a:r>
-              <a:rPr lang="en-US" dirty="0"/>
-              <a:t>The </a:t>
-            </a:r>
-            <a:r>
-              <a:rPr lang="en-US" dirty="0" err="1"/>
-              <a:t>ElectViz</a:t>
-            </a:r>
-            <a:r>
-              <a:rPr lang="en-US" dirty="0"/>
-              <a:t> – Election Data Visualization for Media project successfully transforms complex election data into clear, interactive, and media-friendly dashboards. By analyzing historical U.S. House election data, the system highlights voting trends, party performance, state-wise outcomes, and electoral competitiveness. The project demonstrates how data visualization and storytelling can improve transparency, support data-driven journalism, and enhance public understanding of democratic processes.</a:t>
-            </a:r>
-            <a:endParaRPr lang="en-IN" dirty="0"/>
-          </a:p>
-        </p:txBody>
-      </p:sp>
-    </p:spTree>
-    <p:extLst>
-      <p:ext uri="{BB962C8B-B14F-4D97-AF65-F5344CB8AC3E}">
-        <p14:creationId xmlns:p14="http://schemas.microsoft.com/office/powerpoint/2010/main" val="2303291030"/>
-      </p:ext>
-    </p:extLst>
-  </p:cSld>
-  <p:clrMapOvr>
-    <a:masterClrMapping/>
-  </p:clrMapOvr>
-</p:sld>
-</file>
-
 <file path=ppt/slides/slide8.xml><?xml version="1.0" encoding="utf-8"?>
 <p:sld xmlns:a="http://schemas.openxmlformats.org/drawingml/2006/main" xmlns:r="http://schemas.openxmlformats.org/officeDocument/2006/relationships" xmlns:p="http://schemas.openxmlformats.org/presentationml/2006/main">
   <p:cSld>
@@ -4828,46 +5588,310 @@
       </p:grpSpPr>
       <p:sp>
         <p:nvSpPr>
-          <p:cNvPr id="5" name="TextBox 4">
+          <p:cNvPr id="2" name="Title 1">
             <a:extLst>
               <a:ext uri="{FF2B5EF4-FFF2-40B4-BE49-F238E27FC236}">
-                <a16:creationId xmlns:a16="http://schemas.microsoft.com/office/drawing/2014/main" id="{B6AA92AF-FFD6-6781-859A-951203E95737}"/>
+                <a16:creationId xmlns:a16="http://schemas.microsoft.com/office/drawing/2014/main" id="{5E1D7127-8D51-3A85-AD22-3B0C641A6D19}"/>
               </a:ext>
             </a:extLst>
           </p:cNvPr>
-          <p:cNvSpPr txBox="1"/>
-          <p:nvPr/>
-        </p:nvSpPr>
-        <p:spPr>
-          <a:xfrm>
-            <a:off x="3046563" y="2505670"/>
-            <a:ext cx="6098874" cy="923330"/>
-          </a:xfrm>
-          <a:prstGeom prst="rect">
-            <a:avLst/>
-          </a:prstGeom>
-          <a:noFill/>
-        </p:spPr>
-        <p:txBody>
-          <a:bodyPr wrap="square" anchor="ctr">
-            <a:spAutoFit/>
-          </a:bodyPr>
+          <p:cNvSpPr>
+            <a:spLocks noGrp="1"/>
+          </p:cNvSpPr>
+          <p:nvPr>
+            <p:ph type="title"/>
+          </p:nvPr>
+        </p:nvSpPr>
+        <p:spPr/>
+        <p:txBody>
+          <a:bodyPr anchor="ctr"/>
           <a:lstStyle/>
           <a:p>
             <a:pPr algn="ctr"/>
             <a:r>
-              <a:rPr lang="en-IN" sz="5400" dirty="0">
-                <a:latin typeface="Cooper Black" panose="0208090404030B020404" pitchFamily="18" charset="0"/>
-              </a:rPr>
-              <a:t>Thank you</a:t>
-            </a:r>
+              <a:rPr lang="en-IN" b="1" dirty="0"/>
+              <a:t>conclusion</a:t>
+            </a:r>
+          </a:p>
+        </p:txBody>
+      </p:sp>
+      <p:sp>
+        <p:nvSpPr>
+          <p:cNvPr id="3" name="Content Placeholder 2">
+            <a:extLst>
+              <a:ext uri="{FF2B5EF4-FFF2-40B4-BE49-F238E27FC236}">
+                <a16:creationId xmlns:a16="http://schemas.microsoft.com/office/drawing/2014/main" id="{100F7B60-E206-DBA2-3A40-436791705C67}"/>
+              </a:ext>
+            </a:extLst>
+          </p:cNvPr>
+          <p:cNvSpPr>
+            <a:spLocks noGrp="1"/>
+          </p:cNvSpPr>
+          <p:nvPr>
+            <p:ph idx="1"/>
+          </p:nvPr>
+        </p:nvSpPr>
+        <p:spPr/>
+        <p:txBody>
+          <a:bodyPr anchor="ctr"/>
+          <a:lstStyle/>
+          <a:p>
+            <a:pPr marL="0" indent="0" algn="just">
+              <a:buNone/>
+            </a:pPr>
+            <a:r>
+              <a:rPr lang="en-US" dirty="0"/>
+              <a:t>The </a:t>
+            </a:r>
+            <a:r>
+              <a:rPr lang="en-US" dirty="0" err="1"/>
+              <a:t>ElectViz</a:t>
+            </a:r>
+            <a:r>
+              <a:rPr lang="en-US" dirty="0"/>
+              <a:t> – Election Data Visualization for Media project successfully transforms complex election data into clear, interactive, and media-friendly dashboards. By analyzing historical U.S. House election data, the system highlights voting trends, party performance, state-wise outcomes, and electoral competitiveness. The project demonstrates how data visualization and storytelling can improve transparency, support data-driven journalism, and enhance public understanding of democratic processes.</a:t>
+            </a:r>
+            <a:endParaRPr lang="en-IN" dirty="0"/>
           </a:p>
         </p:txBody>
       </p:sp>
     </p:spTree>
     <p:extLst>
       <p:ext uri="{BB962C8B-B14F-4D97-AF65-F5344CB8AC3E}">
-        <p14:creationId xmlns:p14="http://schemas.microsoft.com/office/powerpoint/2010/main" val="1922647026"/>
+        <p14:creationId xmlns:p14="http://schemas.microsoft.com/office/powerpoint/2010/main" val="2303291030"/>
+      </p:ext>
+    </p:extLst>
+  </p:cSld>
+  <p:clrMapOvr>
+    <a:masterClrMapping/>
+  </p:clrMapOvr>
+</p:sld>
+</file>
+
+<file path=ppt/slides/slide9.xml><?xml version="1.0" encoding="utf-8"?>
+<p:sld xmlns:a="http://schemas.openxmlformats.org/drawingml/2006/main" xmlns:r="http://schemas.openxmlformats.org/officeDocument/2006/relationships" xmlns:p="http://schemas.openxmlformats.org/presentationml/2006/main">
+  <p:cSld>
+    <p:spTree>
+      <p:nvGrpSpPr>
+        <p:cNvPr id="1" name=""/>
+        <p:cNvGrpSpPr/>
+        <p:nvPr/>
+      </p:nvGrpSpPr>
+      <p:grpSpPr>
+        <a:xfrm>
+          <a:off x="0" y="0"/>
+          <a:ext cx="0" cy="0"/>
+          <a:chOff x="0" y="0"/>
+          <a:chExt cx="0" cy="0"/>
+        </a:xfrm>
+      </p:grpSpPr>
+      <p:sp>
+        <p:nvSpPr>
+          <p:cNvPr id="2" name="Title 1">
+            <a:extLst>
+              <a:ext uri="{FF2B5EF4-FFF2-40B4-BE49-F238E27FC236}">
+                <a16:creationId xmlns:a16="http://schemas.microsoft.com/office/drawing/2014/main" id="{686040F4-79FF-3C97-C892-DE564EAC6CD1}"/>
+              </a:ext>
+            </a:extLst>
+          </p:cNvPr>
+          <p:cNvSpPr>
+            <a:spLocks noGrp="1"/>
+          </p:cNvSpPr>
+          <p:nvPr>
+            <p:ph type="title"/>
+          </p:nvPr>
+        </p:nvSpPr>
+        <p:spPr/>
+        <p:txBody>
+          <a:bodyPr anchor="ctr"/>
+          <a:lstStyle/>
+          <a:p>
+            <a:pPr algn="ctr"/>
+            <a:r>
+              <a:rPr lang="en-IN" b="1" dirty="0"/>
+              <a:t>Acknowledgement &amp; reference</a:t>
+            </a:r>
+          </a:p>
+        </p:txBody>
+      </p:sp>
+      <p:sp>
+        <p:nvSpPr>
+          <p:cNvPr id="3" name="Content Placeholder 2">
+            <a:extLst>
+              <a:ext uri="{FF2B5EF4-FFF2-40B4-BE49-F238E27FC236}">
+                <a16:creationId xmlns:a16="http://schemas.microsoft.com/office/drawing/2014/main" id="{B899FBA7-D7F9-B91D-38DA-4C11FE64D5FE}"/>
+              </a:ext>
+            </a:extLst>
+          </p:cNvPr>
+          <p:cNvSpPr>
+            <a:spLocks noGrp="1"/>
+          </p:cNvSpPr>
+          <p:nvPr>
+            <p:ph idx="1"/>
+          </p:nvPr>
+        </p:nvSpPr>
+        <p:spPr>
+          <a:xfrm>
+            <a:off x="1451579" y="2015732"/>
+            <a:ext cx="9603275" cy="4494336"/>
+          </a:xfrm>
+        </p:spPr>
+        <p:txBody>
+          <a:bodyPr>
+            <a:noAutofit/>
+          </a:bodyPr>
+          <a:lstStyle/>
+          <a:p>
+            <a:pPr marL="0" indent="0" algn="just">
+              <a:lnSpc>
+                <a:spcPct val="100000"/>
+              </a:lnSpc>
+              <a:buNone/>
+            </a:pPr>
+            <a:r>
+              <a:rPr lang="en-US" altLang="en-US" b="1" dirty="0">
+                <a:latin typeface="+mj-lt"/>
+                <a:cs typeface="Times New Roman" panose="02020603050405020304" pitchFamily="18" charset="0"/>
+              </a:rPr>
+              <a:t>We would like to express our heartfelt gratitude to:</a:t>
+            </a:r>
+          </a:p>
+          <a:p>
+            <a:pPr algn="just">
+              <a:lnSpc>
+                <a:spcPct val="100000"/>
+              </a:lnSpc>
+            </a:pPr>
+            <a:r>
+              <a:rPr lang="en-US" altLang="en-US" dirty="0">
+                <a:latin typeface="+mj-lt"/>
+                <a:cs typeface="Times New Roman" panose="02020603050405020304" pitchFamily="18" charset="0"/>
+              </a:rPr>
+              <a:t>Infosys Springboard Team – for organizing this valuable internship opportunity.</a:t>
+            </a:r>
+          </a:p>
+          <a:p>
+            <a:pPr algn="just">
+              <a:lnSpc>
+                <a:spcPct val="100000"/>
+              </a:lnSpc>
+            </a:pPr>
+            <a:r>
+              <a:rPr lang="en-US" altLang="en-US" dirty="0">
+                <a:latin typeface="+mj-lt"/>
+                <a:cs typeface="Times New Roman" panose="02020603050405020304" pitchFamily="18" charset="0"/>
+              </a:rPr>
+              <a:t>Our Mentor – for her continuous support and feedback.</a:t>
+            </a:r>
+          </a:p>
+          <a:p>
+            <a:pPr algn="just">
+              <a:lnSpc>
+                <a:spcPct val="100000"/>
+              </a:lnSpc>
+            </a:pPr>
+            <a:r>
+              <a:rPr lang="en-US" altLang="en-US" dirty="0">
+                <a:latin typeface="+mj-lt"/>
+                <a:cs typeface="Times New Roman" panose="02020603050405020304" pitchFamily="18" charset="0"/>
+              </a:rPr>
+              <a:t>My Teammates – for collaboration, encouragement, and insights </a:t>
+            </a:r>
+          </a:p>
+          <a:p>
+            <a:pPr algn="just">
+              <a:lnSpc>
+                <a:spcPct val="100000"/>
+              </a:lnSpc>
+            </a:pPr>
+            <a:r>
+              <a:rPr lang="en-US" altLang="en-US" dirty="0">
+                <a:latin typeface="+mj-lt"/>
+                <a:cs typeface="Times New Roman" panose="02020603050405020304" pitchFamily="18" charset="0"/>
+              </a:rPr>
+              <a:t>This internship has been a significant step in our professional growth and technical journey.</a:t>
+            </a:r>
+          </a:p>
+          <a:p>
+            <a:pPr marL="0" indent="0" algn="just">
+              <a:lnSpc>
+                <a:spcPct val="100000"/>
+              </a:lnSpc>
+              <a:buNone/>
+            </a:pPr>
+            <a:r>
+              <a:rPr lang="en-US" altLang="en-US" b="1" dirty="0">
+                <a:latin typeface="+mj-lt"/>
+                <a:cs typeface="Times New Roman" panose="02020603050405020304" pitchFamily="18" charset="0"/>
+              </a:rPr>
+              <a:t>References:</a:t>
+            </a:r>
+          </a:p>
+          <a:p>
+            <a:pPr algn="just">
+              <a:lnSpc>
+                <a:spcPct val="100000"/>
+              </a:lnSpc>
+            </a:pPr>
+            <a:r>
+              <a:rPr lang="en-US" altLang="en-US" dirty="0" err="1">
+                <a:latin typeface="+mj-lt"/>
+                <a:cs typeface="Times New Roman" panose="02020603050405020304" pitchFamily="18" charset="0"/>
+              </a:rPr>
+              <a:t>US_Election_Data</a:t>
+            </a:r>
+            <a:r>
+              <a:rPr lang="en-US" altLang="en-US" dirty="0">
+                <a:latin typeface="+mj-lt"/>
+                <a:cs typeface="Times New Roman" panose="02020603050405020304" pitchFamily="18" charset="0"/>
+              </a:rPr>
+              <a:t>(Kaggle source) </a:t>
+            </a:r>
+          </a:p>
+          <a:p>
+            <a:pPr algn="just">
+              <a:lnSpc>
+                <a:spcPct val="100000"/>
+              </a:lnSpc>
+            </a:pPr>
+            <a:r>
+              <a:rPr lang="en-US" altLang="en-US" dirty="0">
+                <a:latin typeface="+mj-lt"/>
+                <a:cs typeface="Times New Roman" panose="02020603050405020304" pitchFamily="18" charset="0"/>
+              </a:rPr>
+              <a:t>Microsoft Power BI Documentation</a:t>
+            </a:r>
+          </a:p>
+          <a:p>
+            <a:pPr algn="just">
+              <a:lnSpc>
+                <a:spcPct val="100000"/>
+              </a:lnSpc>
+            </a:pPr>
+            <a:r>
+              <a:rPr lang="en-US" altLang="en-US" dirty="0">
+                <a:latin typeface="+mj-lt"/>
+                <a:cs typeface="Times New Roman" panose="02020603050405020304" pitchFamily="18" charset="0"/>
+              </a:rPr>
+              <a:t>Infosys Springboard Virtual Internship course materials</a:t>
+            </a:r>
+          </a:p>
+          <a:p>
+            <a:pPr>
+              <a:lnSpc>
+                <a:spcPct val="100000"/>
+              </a:lnSpc>
+            </a:pPr>
+            <a:endParaRPr lang="en-IN" dirty="0">
+              <a:latin typeface="+mj-lt"/>
+            </a:endParaRPr>
+          </a:p>
+        </p:txBody>
+      </p:sp>
+    </p:spTree>
+    <p:extLst>
+      <p:ext uri="{BB962C8B-B14F-4D97-AF65-F5344CB8AC3E}">
+        <p14:creationId xmlns:p14="http://schemas.microsoft.com/office/powerpoint/2010/main" val="822984027"/>
       </p:ext>
     </p:extLst>
   </p:cSld>
